--- a/visitas_stg/static/ppt/Reporte_Region_sisef.pptx
+++ b/visitas_stg/static/ppt/Reporte_Region_sisef.pptx
@@ -225,7 +225,7 @@
           <a:p>
             <a:fld id="{A12F159B-2BA9-4A4C-8F37-6A12CA4521B5}" type="datetimeFigureOut">
               <a:rPr lang="es-MX" smtClean="0"/>
-              <a:t>04/11/2015</a:t>
+              <a:t>08/11/2015</a:t>
             </a:fld>
             <a:endParaRPr lang="es-MX"/>
           </a:p>
@@ -390,7 +390,7 @@
           <a:p>
             <a:fld id="{E725DF0C-0434-4166-AFB2-E9FB5C8C5747}" type="datetimeFigureOut">
               <a:rPr lang="es-MX" smtClean="0"/>
-              <a:t>04/11/2015</a:t>
+              <a:t>08/11/2015</a:t>
             </a:fld>
             <a:endParaRPr lang="es-MX"/>
           </a:p>
@@ -853,7 +853,7 @@
           <a:p>
             <a:fld id="{F4C741E7-0659-46B3-91BB-B8C3B98C4B5D}" type="datetimeFigureOut">
               <a:rPr lang="es-MX" smtClean="0"/>
-              <a:t>04/11/2015</a:t>
+              <a:t>08/11/2015</a:t>
             </a:fld>
             <a:endParaRPr lang="es-MX"/>
           </a:p>
@@ -1070,7 +1070,7 @@
           <a:p>
             <a:fld id="{F4C741E7-0659-46B3-91BB-B8C3B98C4B5D}" type="datetimeFigureOut">
               <a:rPr lang="es-MX" smtClean="0"/>
-              <a:t>04/11/2015</a:t>
+              <a:t>08/11/2015</a:t>
             </a:fld>
             <a:endParaRPr lang="es-MX"/>
           </a:p>
@@ -1280,7 +1280,7 @@
           <a:p>
             <a:fld id="{F4C741E7-0659-46B3-91BB-B8C3B98C4B5D}" type="datetimeFigureOut">
               <a:rPr lang="es-MX" smtClean="0"/>
-              <a:t>04/11/2015</a:t>
+              <a:t>08/11/2015</a:t>
             </a:fld>
             <a:endParaRPr lang="es-MX"/>
           </a:p>
@@ -1490,7 +1490,7 @@
           <a:p>
             <a:fld id="{F4C741E7-0659-46B3-91BB-B8C3B98C4B5D}" type="datetimeFigureOut">
               <a:rPr lang="es-MX" smtClean="0"/>
-              <a:t>04/11/2015</a:t>
+              <a:t>08/11/2015</a:t>
             </a:fld>
             <a:endParaRPr lang="es-MX"/>
           </a:p>
@@ -1766,7 +1766,7 @@
           <a:p>
             <a:fld id="{F4C741E7-0659-46B3-91BB-B8C3B98C4B5D}" type="datetimeFigureOut">
               <a:rPr lang="es-MX" smtClean="0"/>
-              <a:t>04/11/2015</a:t>
+              <a:t>08/11/2015</a:t>
             </a:fld>
             <a:endParaRPr lang="es-MX"/>
           </a:p>
@@ -2092,7 +2092,7 @@
           <a:p>
             <a:fld id="{F4C741E7-0659-46B3-91BB-B8C3B98C4B5D}" type="datetimeFigureOut">
               <a:rPr lang="es-MX" smtClean="0"/>
-              <a:t>04/11/2015</a:t>
+              <a:t>08/11/2015</a:t>
             </a:fld>
             <a:endParaRPr lang="es-MX"/>
           </a:p>
@@ -2558,7 +2558,7 @@
           <a:p>
             <a:fld id="{F4C741E7-0659-46B3-91BB-B8C3B98C4B5D}" type="datetimeFigureOut">
               <a:rPr lang="es-MX" smtClean="0"/>
-              <a:t>04/11/2015</a:t>
+              <a:t>08/11/2015</a:t>
             </a:fld>
             <a:endParaRPr lang="es-MX"/>
           </a:p>
@@ -2708,7 +2708,7 @@
           <a:p>
             <a:fld id="{F4C741E7-0659-46B3-91BB-B8C3B98C4B5D}" type="datetimeFigureOut">
               <a:rPr lang="es-MX" smtClean="0"/>
-              <a:t>04/11/2015</a:t>
+              <a:t>08/11/2015</a:t>
             </a:fld>
             <a:endParaRPr lang="es-MX"/>
           </a:p>
@@ -2827,7 +2827,7 @@
           <a:p>
             <a:fld id="{F4C741E7-0659-46B3-91BB-B8C3B98C4B5D}" type="datetimeFigureOut">
               <a:rPr lang="es-MX" smtClean="0"/>
-              <a:t>04/11/2015</a:t>
+              <a:t>08/11/2015</a:t>
             </a:fld>
             <a:endParaRPr lang="es-MX"/>
           </a:p>
@@ -3137,7 +3137,7 @@
           <a:p>
             <a:fld id="{F4C741E7-0659-46B3-91BB-B8C3B98C4B5D}" type="datetimeFigureOut">
               <a:rPr lang="es-MX" smtClean="0"/>
-              <a:t>04/11/2015</a:t>
+              <a:t>08/11/2015</a:t>
             </a:fld>
             <a:endParaRPr lang="es-MX"/>
           </a:p>
@@ -3423,7 +3423,7 @@
           <a:p>
             <a:fld id="{F4C741E7-0659-46B3-91BB-B8C3B98C4B5D}" type="datetimeFigureOut">
               <a:rPr lang="es-MX" smtClean="0"/>
-              <a:t>04/11/2015</a:t>
+              <a:t>08/11/2015</a:t>
             </a:fld>
             <a:endParaRPr lang="es-MX"/>
           </a:p>
@@ -3951,14 +3951,14 @@
           <p:nvPr>
             <p:extLst>
               <p:ext uri="{D42A27DB-BD31-4B8C-83A1-F6EECF244321}">
-                <p14:modId xmlns:p14="http://schemas.microsoft.com/office/powerpoint/2010/main" val="1272247739"/>
+                <p14:modId xmlns:p14="http://schemas.microsoft.com/office/powerpoint/2010/main" val="1861268607"/>
               </p:ext>
             </p:extLst>
           </p:nvPr>
         </p:nvGraphicFramePr>
         <p:xfrm>
           <a:off x="251105" y="1995628"/>
-          <a:ext cx="1656599" cy="1711879"/>
+          <a:ext cx="1656599" cy="1827840"/>
         </p:xfrm>
         <a:graphic>
           <a:graphicData uri="http://schemas.openxmlformats.org/drawingml/2006/table">
@@ -4026,7 +4026,7 @@
                   <a:tcPr marL="36000" marR="36000" marT="36000" marB="36000"/>
                 </a:tc>
               </a:tr>
-              <a:tr h="289878">
+              <a:tr h="252000">
                 <a:tc>
                   <a:txBody>
                     <a:bodyPr/>
@@ -4056,7 +4056,7 @@
                   <a:tcPr marL="36000" marR="36000" marT="36000" marB="36000"/>
                 </a:tc>
               </a:tr>
-              <a:tr h="239974">
+              <a:tr h="252000">
                 <a:tc>
                   <a:txBody>
                     <a:bodyPr/>
@@ -4086,7 +4086,7 @@
                   <a:tcPr marL="36000" marR="36000" marT="36000" marB="36000"/>
                 </a:tc>
               </a:tr>
-              <a:tr h="288729">
+              <a:tr h="252000">
                 <a:tc>
                   <a:txBody>
                     <a:bodyPr/>
@@ -4116,7 +4116,7 @@
                   <a:tcPr marL="36000" marR="36000" marT="36000" marB="36000"/>
                 </a:tc>
               </a:tr>
-              <a:tr h="288729">
+              <a:tr h="252000">
                 <a:tc>
                   <a:txBody>
                     <a:bodyPr/>
@@ -4146,7 +4146,37 @@
                   <a:tcPr marL="36000" marR="36000" marT="36000" marB="36000"/>
                 </a:tc>
               </a:tr>
-              <a:tr h="288729">
+              <a:tr h="252000">
+                <a:tc>
+                  <a:txBody>
+                    <a:bodyPr/>
+                    <a:lstStyle/>
+                    <a:p>
+                      <a:endParaRPr lang="es-MX" sz="800" dirty="0">
+                        <a:latin typeface="Arial Narrow" panose="020B0606020202030204" pitchFamily="34" charset="0"/>
+                        <a:ea typeface="Verdana" panose="020B0604030504040204" pitchFamily="34" charset="0"/>
+                        <a:cs typeface="Verdana" panose="020B0604030504040204" pitchFamily="34" charset="0"/>
+                      </a:endParaRPr>
+                    </a:p>
+                  </a:txBody>
+                  <a:tcPr marL="36000" marR="36000" marT="36000" marB="36000"/>
+                </a:tc>
+                <a:tc>
+                  <a:txBody>
+                    <a:bodyPr/>
+                    <a:lstStyle/>
+                    <a:p>
+                      <a:endParaRPr lang="es-MX" sz="800" dirty="0">
+                        <a:latin typeface="Arial Narrow" panose="020B0606020202030204" pitchFamily="34" charset="0"/>
+                        <a:ea typeface="Verdana" panose="020B0604030504040204" pitchFamily="34" charset="0"/>
+                        <a:cs typeface="Verdana" panose="020B0604030504040204" pitchFamily="34" charset="0"/>
+                      </a:endParaRPr>
+                    </a:p>
+                  </a:txBody>
+                  <a:tcPr marL="36000" marR="36000" marT="36000" marB="36000"/>
+                </a:tc>
+              </a:tr>
+              <a:tr h="252000">
                 <a:tc>
                   <a:txBody>
                     <a:bodyPr/>
@@ -4189,14 +4219,14 @@
           <p:nvPr>
             <p:extLst>
               <p:ext uri="{D42A27DB-BD31-4B8C-83A1-F6EECF244321}">
-                <p14:modId xmlns:p14="http://schemas.microsoft.com/office/powerpoint/2010/main" val="3932024780"/>
+                <p14:modId xmlns:p14="http://schemas.microsoft.com/office/powerpoint/2010/main" val="4287454963"/>
               </p:ext>
             </p:extLst>
           </p:nvPr>
         </p:nvGraphicFramePr>
         <p:xfrm>
           <a:off x="1995217" y="2003014"/>
-          <a:ext cx="1635478" cy="1698323"/>
+          <a:ext cx="1635478" cy="1803052"/>
         </p:xfrm>
         <a:graphic>
           <a:graphicData uri="http://schemas.openxmlformats.org/drawingml/2006/table">
@@ -4264,7 +4294,7 @@
                   <a:tcPr marL="36000" marR="36000" marT="36000" marB="36000"/>
                 </a:tc>
               </a:tr>
-              <a:tr h="292210">
+              <a:tr h="252000">
                 <a:tc>
                   <a:txBody>
                     <a:bodyPr/>
@@ -4294,7 +4324,7 @@
                   <a:tcPr marL="36000" marR="36000" marT="36000" marB="36000"/>
                 </a:tc>
               </a:tr>
-              <a:tr h="241905">
+              <a:tr h="252000">
                 <a:tc>
                   <a:txBody>
                     <a:bodyPr/>
@@ -4324,7 +4354,7 @@
                   <a:tcPr marL="36000" marR="36000" marT="36000" marB="36000"/>
                 </a:tc>
               </a:tr>
-              <a:tr h="291052">
+              <a:tr h="252000">
                 <a:tc>
                   <a:txBody>
                     <a:bodyPr/>
@@ -4354,7 +4384,7 @@
                   <a:tcPr marL="36000" marR="36000" marT="36000" marB="36000"/>
                 </a:tc>
               </a:tr>
-              <a:tr h="291052">
+              <a:tr h="252000">
                 <a:tc>
                   <a:txBody>
                     <a:bodyPr/>
@@ -4384,7 +4414,37 @@
                   <a:tcPr marL="36000" marR="36000" marT="36000" marB="36000"/>
                 </a:tc>
               </a:tr>
-              <a:tr h="291052">
+              <a:tr h="252000">
+                <a:tc>
+                  <a:txBody>
+                    <a:bodyPr/>
+                    <a:lstStyle/>
+                    <a:p>
+                      <a:endParaRPr lang="es-MX" sz="800" dirty="0">
+                        <a:latin typeface="Arial Narrow" panose="020B0606020202030204" pitchFamily="34" charset="0"/>
+                        <a:ea typeface="Verdana" panose="020B0604030504040204" pitchFamily="34" charset="0"/>
+                        <a:cs typeface="Verdana" panose="020B0604030504040204" pitchFamily="34" charset="0"/>
+                      </a:endParaRPr>
+                    </a:p>
+                  </a:txBody>
+                  <a:tcPr marL="36000" marR="36000" marT="36000" marB="36000"/>
+                </a:tc>
+                <a:tc>
+                  <a:txBody>
+                    <a:bodyPr/>
+                    <a:lstStyle/>
+                    <a:p>
+                      <a:endParaRPr lang="es-MX" sz="800" dirty="0">
+                        <a:latin typeface="Arial Narrow" panose="020B0606020202030204" pitchFamily="34" charset="0"/>
+                        <a:ea typeface="Verdana" panose="020B0604030504040204" pitchFamily="34" charset="0"/>
+                        <a:cs typeface="Verdana" panose="020B0604030504040204" pitchFamily="34" charset="0"/>
+                      </a:endParaRPr>
+                    </a:p>
+                  </a:txBody>
+                  <a:tcPr marL="36000" marR="36000" marT="36000" marB="36000"/>
+                </a:tc>
+              </a:tr>
+              <a:tr h="252000">
                 <a:tc>
                   <a:txBody>
                     <a:bodyPr/>
@@ -4427,14 +4487,14 @@
           <p:nvPr>
             <p:extLst>
               <p:ext uri="{D42A27DB-BD31-4B8C-83A1-F6EECF244321}">
-                <p14:modId xmlns:p14="http://schemas.microsoft.com/office/powerpoint/2010/main" val="3512489612"/>
+                <p14:modId xmlns:p14="http://schemas.microsoft.com/office/powerpoint/2010/main" val="319285041"/>
               </p:ext>
             </p:extLst>
           </p:nvPr>
         </p:nvGraphicFramePr>
         <p:xfrm>
           <a:off x="3746049" y="1988840"/>
-          <a:ext cx="1636054" cy="1711879"/>
+          <a:ext cx="1636054" cy="1827840"/>
         </p:xfrm>
         <a:graphic>
           <a:graphicData uri="http://schemas.openxmlformats.org/drawingml/2006/table">
@@ -4494,7 +4554,7 @@
                   <a:tcPr marL="36000" marR="36000" marT="36000" marB="36000"/>
                 </a:tc>
               </a:tr>
-              <a:tr h="289878">
+              <a:tr h="252000">
                 <a:tc>
                   <a:txBody>
                     <a:bodyPr/>
@@ -4524,7 +4584,7 @@
                   <a:tcPr marL="36000" marR="36000" marT="36000" marB="36000"/>
                 </a:tc>
               </a:tr>
-              <a:tr h="239974">
+              <a:tr h="252000">
                 <a:tc>
                   <a:txBody>
                     <a:bodyPr/>
@@ -4554,7 +4614,7 @@
                   <a:tcPr marL="36000" marR="36000" marT="36000" marB="36000"/>
                 </a:tc>
               </a:tr>
-              <a:tr h="288729">
+              <a:tr h="252000">
                 <a:tc>
                   <a:txBody>
                     <a:bodyPr/>
@@ -4584,7 +4644,7 @@
                   <a:tcPr marL="36000" marR="36000" marT="36000" marB="36000"/>
                 </a:tc>
               </a:tr>
-              <a:tr h="288729">
+              <a:tr h="252000">
                 <a:tc>
                   <a:txBody>
                     <a:bodyPr/>
@@ -4614,7 +4674,37 @@
                   <a:tcPr marL="36000" marR="36000" marT="36000" marB="36000"/>
                 </a:tc>
               </a:tr>
-              <a:tr h="288729">
+              <a:tr h="252000">
+                <a:tc>
+                  <a:txBody>
+                    <a:bodyPr/>
+                    <a:lstStyle/>
+                    <a:p>
+                      <a:endParaRPr lang="es-MX" sz="800" dirty="0">
+                        <a:latin typeface="Arial Narrow" panose="020B0606020202030204" pitchFamily="34" charset="0"/>
+                        <a:ea typeface="Verdana" panose="020B0604030504040204" pitchFamily="34" charset="0"/>
+                        <a:cs typeface="Verdana" panose="020B0604030504040204" pitchFamily="34" charset="0"/>
+                      </a:endParaRPr>
+                    </a:p>
+                  </a:txBody>
+                  <a:tcPr marL="36000" marR="36000" marT="36000" marB="36000"/>
+                </a:tc>
+                <a:tc>
+                  <a:txBody>
+                    <a:bodyPr/>
+                    <a:lstStyle/>
+                    <a:p>
+                      <a:endParaRPr lang="es-MX" sz="800" dirty="0">
+                        <a:latin typeface="Arial Narrow" panose="020B0606020202030204" pitchFamily="34" charset="0"/>
+                        <a:ea typeface="Verdana" panose="020B0604030504040204" pitchFamily="34" charset="0"/>
+                        <a:cs typeface="Verdana" panose="020B0604030504040204" pitchFamily="34" charset="0"/>
+                      </a:endParaRPr>
+                    </a:p>
+                  </a:txBody>
+                  <a:tcPr marL="36000" marR="36000" marT="36000" marB="36000"/>
+                </a:tc>
+              </a:tr>
+              <a:tr h="252000">
                 <a:tc>
                   <a:txBody>
                     <a:bodyPr/>
@@ -4657,14 +4747,14 @@
           <p:nvPr>
             <p:extLst>
               <p:ext uri="{D42A27DB-BD31-4B8C-83A1-F6EECF244321}">
-                <p14:modId xmlns:p14="http://schemas.microsoft.com/office/powerpoint/2010/main" val="856052714"/>
+                <p14:modId xmlns:p14="http://schemas.microsoft.com/office/powerpoint/2010/main" val="3568175654"/>
               </p:ext>
             </p:extLst>
           </p:nvPr>
         </p:nvGraphicFramePr>
         <p:xfrm>
           <a:off x="5490159" y="1988840"/>
-          <a:ext cx="1636054" cy="1711879"/>
+          <a:ext cx="1636054" cy="1827840"/>
         </p:xfrm>
         <a:graphic>
           <a:graphicData uri="http://schemas.openxmlformats.org/drawingml/2006/table">
@@ -4724,7 +4814,7 @@
                   <a:tcPr marL="36000" marR="36000" marT="36000" marB="36000"/>
                 </a:tc>
               </a:tr>
-              <a:tr h="289878">
+              <a:tr h="252000">
                 <a:tc>
                   <a:txBody>
                     <a:bodyPr/>
@@ -4754,7 +4844,7 @@
                   <a:tcPr marL="36000" marR="36000" marT="36000" marB="36000"/>
                 </a:tc>
               </a:tr>
-              <a:tr h="239974">
+              <a:tr h="252000">
                 <a:tc>
                   <a:txBody>
                     <a:bodyPr/>
@@ -4784,7 +4874,7 @@
                   <a:tcPr marL="36000" marR="36000" marT="36000" marB="36000"/>
                 </a:tc>
               </a:tr>
-              <a:tr h="288729">
+              <a:tr h="252000">
                 <a:tc>
                   <a:txBody>
                     <a:bodyPr/>
@@ -4814,7 +4904,7 @@
                   <a:tcPr marL="36000" marR="36000" marT="36000" marB="36000"/>
                 </a:tc>
               </a:tr>
-              <a:tr h="288729">
+              <a:tr h="252000">
                 <a:tc>
                   <a:txBody>
                     <a:bodyPr/>
@@ -4844,7 +4934,37 @@
                   <a:tcPr marL="36000" marR="36000" marT="36000" marB="36000"/>
                 </a:tc>
               </a:tr>
-              <a:tr h="288729">
+              <a:tr h="252000">
+                <a:tc>
+                  <a:txBody>
+                    <a:bodyPr/>
+                    <a:lstStyle/>
+                    <a:p>
+                      <a:endParaRPr lang="es-MX" sz="800" dirty="0">
+                        <a:latin typeface="Arial Narrow" panose="020B0606020202030204" pitchFamily="34" charset="0"/>
+                        <a:ea typeface="Verdana" panose="020B0604030504040204" pitchFamily="34" charset="0"/>
+                        <a:cs typeface="Verdana" panose="020B0604030504040204" pitchFamily="34" charset="0"/>
+                      </a:endParaRPr>
+                    </a:p>
+                  </a:txBody>
+                  <a:tcPr marL="36000" marR="36000" marT="36000" marB="36000"/>
+                </a:tc>
+                <a:tc>
+                  <a:txBody>
+                    <a:bodyPr/>
+                    <a:lstStyle/>
+                    <a:p>
+                      <a:endParaRPr lang="es-MX" sz="800" dirty="0">
+                        <a:latin typeface="Arial Narrow" panose="020B0606020202030204" pitchFamily="34" charset="0"/>
+                        <a:ea typeface="Verdana" panose="020B0604030504040204" pitchFamily="34" charset="0"/>
+                        <a:cs typeface="Verdana" panose="020B0604030504040204" pitchFamily="34" charset="0"/>
+                      </a:endParaRPr>
+                    </a:p>
+                  </a:txBody>
+                  <a:tcPr marL="36000" marR="36000" marT="36000" marB="36000"/>
+                </a:tc>
+              </a:tr>
+              <a:tr h="252000">
                 <a:tc>
                   <a:txBody>
                     <a:bodyPr/>
@@ -4887,14 +5007,14 @@
           <p:nvPr>
             <p:extLst>
               <p:ext uri="{D42A27DB-BD31-4B8C-83A1-F6EECF244321}">
-                <p14:modId xmlns:p14="http://schemas.microsoft.com/office/powerpoint/2010/main" val="2030120508"/>
+                <p14:modId xmlns:p14="http://schemas.microsoft.com/office/powerpoint/2010/main" val="2131855749"/>
               </p:ext>
             </p:extLst>
           </p:nvPr>
         </p:nvGraphicFramePr>
         <p:xfrm>
           <a:off x="7229845" y="1995627"/>
-          <a:ext cx="1636054" cy="1711879"/>
+          <a:ext cx="1636054" cy="1827840"/>
         </p:xfrm>
         <a:graphic>
           <a:graphicData uri="http://schemas.openxmlformats.org/drawingml/2006/table">
@@ -4954,7 +5074,7 @@
                   <a:tcPr marL="36000" marR="36000" marT="36000" marB="36000"/>
                 </a:tc>
               </a:tr>
-              <a:tr h="289878">
+              <a:tr h="252000">
                 <a:tc>
                   <a:txBody>
                     <a:bodyPr/>
@@ -4984,7 +5104,7 @@
                   <a:tcPr marL="36000" marR="36000" marT="36000" marB="36000"/>
                 </a:tc>
               </a:tr>
-              <a:tr h="239974">
+              <a:tr h="252000">
                 <a:tc>
                   <a:txBody>
                     <a:bodyPr/>
@@ -5014,7 +5134,7 @@
                   <a:tcPr marL="36000" marR="36000" marT="36000" marB="36000"/>
                 </a:tc>
               </a:tr>
-              <a:tr h="288729">
+              <a:tr h="252000">
                 <a:tc>
                   <a:txBody>
                     <a:bodyPr/>
@@ -5044,7 +5164,7 @@
                   <a:tcPr marL="36000" marR="36000" marT="36000" marB="36000"/>
                 </a:tc>
               </a:tr>
-              <a:tr h="288729">
+              <a:tr h="252000">
                 <a:tc>
                   <a:txBody>
                     <a:bodyPr/>
@@ -5074,7 +5194,37 @@
                   <a:tcPr marL="36000" marR="36000" marT="36000" marB="36000"/>
                 </a:tc>
               </a:tr>
-              <a:tr h="288729">
+              <a:tr h="252000">
+                <a:tc>
+                  <a:txBody>
+                    <a:bodyPr/>
+                    <a:lstStyle/>
+                    <a:p>
+                      <a:endParaRPr lang="es-MX" sz="800" dirty="0">
+                        <a:latin typeface="Arial Narrow" panose="020B0606020202030204" pitchFamily="34" charset="0"/>
+                        <a:ea typeface="Verdana" panose="020B0604030504040204" pitchFamily="34" charset="0"/>
+                        <a:cs typeface="Verdana" panose="020B0604030504040204" pitchFamily="34" charset="0"/>
+                      </a:endParaRPr>
+                    </a:p>
+                  </a:txBody>
+                  <a:tcPr marL="36000" marR="36000" marT="36000" marB="36000"/>
+                </a:tc>
+                <a:tc>
+                  <a:txBody>
+                    <a:bodyPr/>
+                    <a:lstStyle/>
+                    <a:p>
+                      <a:endParaRPr lang="es-MX" sz="800" dirty="0">
+                        <a:latin typeface="Arial Narrow" panose="020B0606020202030204" pitchFamily="34" charset="0"/>
+                        <a:ea typeface="Verdana" panose="020B0604030504040204" pitchFamily="34" charset="0"/>
+                        <a:cs typeface="Verdana" panose="020B0604030504040204" pitchFamily="34" charset="0"/>
+                      </a:endParaRPr>
+                    </a:p>
+                  </a:txBody>
+                  <a:tcPr marL="36000" marR="36000" marT="36000" marB="36000"/>
+                </a:tc>
+              </a:tr>
+              <a:tr h="252000">
                 <a:tc>
                   <a:txBody>
                     <a:bodyPr/>
@@ -5117,13 +5267,13 @@
           <p:nvPr>
             <p:extLst>
               <p:ext uri="{D42A27DB-BD31-4B8C-83A1-F6EECF244321}">
-                <p14:modId xmlns:p14="http://schemas.microsoft.com/office/powerpoint/2010/main" val="2739785473"/>
+                <p14:modId xmlns:p14="http://schemas.microsoft.com/office/powerpoint/2010/main" val="4192981091"/>
               </p:ext>
             </p:extLst>
           </p:nvPr>
         </p:nvGraphicFramePr>
         <p:xfrm>
-          <a:off x="294705" y="3952186"/>
+          <a:off x="294705" y="4030567"/>
           <a:ext cx="3868889" cy="1614933"/>
         </p:xfrm>
         <a:graphic>
@@ -5956,14 +6106,14 @@
           <p:nvPr>
             <p:extLst>
               <p:ext uri="{D42A27DB-BD31-4B8C-83A1-F6EECF244321}">
-                <p14:modId xmlns:p14="http://schemas.microsoft.com/office/powerpoint/2010/main" val="2711191331"/>
+                <p14:modId xmlns:p14="http://schemas.microsoft.com/office/powerpoint/2010/main" val="1992053585"/>
               </p:ext>
             </p:extLst>
           </p:nvPr>
         </p:nvGraphicFramePr>
         <p:xfrm>
-          <a:off x="4399987" y="4114269"/>
-          <a:ext cx="1363549" cy="1107310"/>
+          <a:off x="4399987" y="4323285"/>
+          <a:ext cx="1363549" cy="1008000"/>
         </p:xfrm>
         <a:graphic>
           <a:graphicData uri="http://schemas.openxmlformats.org/drawingml/2006/table">
@@ -5975,7 +6125,7 @@
                 <a:gridCol w="878646"/>
                 <a:gridCol w="484903"/>
               </a:tblGrid>
-              <a:tr h="288729">
+              <a:tr h="252000">
                 <a:tc>
                   <a:txBody>
                     <a:bodyPr/>
@@ -6023,7 +6173,7 @@
                   <a:tcPr marL="36000" marR="36000" marT="36000" marB="36000"/>
                 </a:tc>
               </a:tr>
-              <a:tr h="289878">
+              <a:tr h="252000">
                 <a:tc>
                   <a:txBody>
                     <a:bodyPr/>
@@ -6053,7 +6203,7 @@
                   <a:tcPr marL="36000" marR="36000" marT="36000" marB="36000"/>
                 </a:tc>
               </a:tr>
-              <a:tr h="239974">
+              <a:tr h="252000">
                 <a:tc>
                   <a:txBody>
                     <a:bodyPr/>
@@ -6083,7 +6233,7 @@
                   <a:tcPr marL="36000" marR="36000" marT="36000" marB="36000"/>
                 </a:tc>
               </a:tr>
-              <a:tr h="288729">
+              <a:tr h="252000">
                 <a:tc>
                   <a:txBody>
                     <a:bodyPr/>
@@ -6126,14 +6276,14 @@
           <p:nvPr>
             <p:extLst>
               <p:ext uri="{D42A27DB-BD31-4B8C-83A1-F6EECF244321}">
-                <p14:modId xmlns:p14="http://schemas.microsoft.com/office/powerpoint/2010/main" val="3023464692"/>
+                <p14:modId xmlns:p14="http://schemas.microsoft.com/office/powerpoint/2010/main" val="402506432"/>
               </p:ext>
             </p:extLst>
           </p:nvPr>
         </p:nvGraphicFramePr>
         <p:xfrm>
-          <a:off x="4395915" y="5533209"/>
-          <a:ext cx="1378311" cy="1124200"/>
+          <a:off x="4395915" y="5655135"/>
+          <a:ext cx="1378311" cy="1008000"/>
         </p:xfrm>
         <a:graphic>
           <a:graphicData uri="http://schemas.openxmlformats.org/drawingml/2006/table">
@@ -6145,7 +6295,7 @@
                 <a:gridCol w="880046"/>
                 <a:gridCol w="498265"/>
               </a:tblGrid>
-              <a:tr h="260104">
+              <a:tr h="252000">
                 <a:tc>
                   <a:txBody>
                     <a:bodyPr/>
@@ -6193,7 +6343,7 @@
                   <a:tcPr marL="36000" marR="36000" marT="36000" marB="36000"/>
                 </a:tc>
               </a:tr>
-              <a:tr h="288032">
+              <a:tr h="252000">
                 <a:tc>
                   <a:txBody>
                     <a:bodyPr/>
@@ -6223,7 +6373,7 @@
                   <a:tcPr marL="36000" marR="36000" marT="36000" marB="36000"/>
                 </a:tc>
               </a:tr>
-              <a:tr h="288032">
+              <a:tr h="252000">
                 <a:tc>
                   <a:txBody>
                     <a:bodyPr/>
@@ -6253,7 +6403,7 @@
                   <a:tcPr marL="36000" marR="36000" marT="36000" marB="36000"/>
                 </a:tc>
               </a:tr>
-              <a:tr h="288032">
+              <a:tr h="252000">
                 <a:tc>
                   <a:txBody>
                     <a:bodyPr/>
@@ -6519,7 +6669,7 @@
         <p:spPr>
           <a:xfrm>
             <a:off x="203935" y="1728655"/>
-            <a:ext cx="8715123" cy="2060385"/>
+            <a:ext cx="8715123" cy="2158102"/>
           </a:xfrm>
           <a:prstGeom prst="rect">
             <a:avLst/>
@@ -6861,8 +7011,8 @@
         </p:nvSpPr>
         <p:spPr>
           <a:xfrm>
-            <a:off x="4361512" y="3874723"/>
-            <a:ext cx="1458508" cy="2866645"/>
+            <a:off x="4361512" y="3960904"/>
+            <a:ext cx="1458508" cy="2780464"/>
           </a:xfrm>
           <a:prstGeom prst="rect">
             <a:avLst/>
@@ -6909,7 +7059,7 @@
         </p:nvSpPr>
         <p:spPr>
           <a:xfrm>
-            <a:off x="4394538" y="3874723"/>
+            <a:off x="4394538" y="4083739"/>
             <a:ext cx="1395807" cy="215444"/>
           </a:xfrm>
           <a:prstGeom prst="rect">
@@ -6948,7 +7098,7 @@
         </p:nvSpPr>
         <p:spPr>
           <a:xfrm>
-            <a:off x="4379372" y="5286698"/>
+            <a:off x="4379372" y="5408624"/>
             <a:ext cx="1427201" cy="215444"/>
           </a:xfrm>
           <a:prstGeom prst="rect">
@@ -6987,7 +7137,7 @@
         </p:nvSpPr>
         <p:spPr>
           <a:xfrm>
-            <a:off x="203936" y="3874724"/>
+            <a:off x="203936" y="3953105"/>
             <a:ext cx="4079750" cy="1764404"/>
           </a:xfrm>
           <a:prstGeom prst="rect">
@@ -7074,7 +7224,7 @@
         </p:nvSpPr>
         <p:spPr>
           <a:xfrm>
-            <a:off x="152225" y="5700149"/>
+            <a:off x="152225" y="5708859"/>
             <a:ext cx="4054222" cy="215444"/>
           </a:xfrm>
           <a:prstGeom prst="rect">

--- a/visitas_stg/static/ppt/Reporte_Region_sisef.pptx
+++ b/visitas_stg/static/ppt/Reporte_Region_sisef.pptx
@@ -225,7 +225,7 @@
           <a:p>
             <a:fld id="{A12F159B-2BA9-4A4C-8F37-6A12CA4521B5}" type="datetimeFigureOut">
               <a:rPr lang="es-MX" smtClean="0"/>
-              <a:t>08/11/2015</a:t>
+              <a:t>13/11/2015</a:t>
             </a:fld>
             <a:endParaRPr lang="es-MX"/>
           </a:p>
@@ -390,7 +390,7 @@
           <a:p>
             <a:fld id="{E725DF0C-0434-4166-AFB2-E9FB5C8C5747}" type="datetimeFigureOut">
               <a:rPr lang="es-MX" smtClean="0"/>
-              <a:t>08/11/2015</a:t>
+              <a:t>13/11/2015</a:t>
             </a:fld>
             <a:endParaRPr lang="es-MX"/>
           </a:p>
@@ -853,7 +853,7 @@
           <a:p>
             <a:fld id="{F4C741E7-0659-46B3-91BB-B8C3B98C4B5D}" type="datetimeFigureOut">
               <a:rPr lang="es-MX" smtClean="0"/>
-              <a:t>08/11/2015</a:t>
+              <a:t>13/11/2015</a:t>
             </a:fld>
             <a:endParaRPr lang="es-MX"/>
           </a:p>
@@ -1070,7 +1070,7 @@
           <a:p>
             <a:fld id="{F4C741E7-0659-46B3-91BB-B8C3B98C4B5D}" type="datetimeFigureOut">
               <a:rPr lang="es-MX" smtClean="0"/>
-              <a:t>08/11/2015</a:t>
+              <a:t>13/11/2015</a:t>
             </a:fld>
             <a:endParaRPr lang="es-MX"/>
           </a:p>
@@ -1280,7 +1280,7 @@
           <a:p>
             <a:fld id="{F4C741E7-0659-46B3-91BB-B8C3B98C4B5D}" type="datetimeFigureOut">
               <a:rPr lang="es-MX" smtClean="0"/>
-              <a:t>08/11/2015</a:t>
+              <a:t>13/11/2015</a:t>
             </a:fld>
             <a:endParaRPr lang="es-MX"/>
           </a:p>
@@ -1490,7 +1490,7 @@
           <a:p>
             <a:fld id="{F4C741E7-0659-46B3-91BB-B8C3B98C4B5D}" type="datetimeFigureOut">
               <a:rPr lang="es-MX" smtClean="0"/>
-              <a:t>08/11/2015</a:t>
+              <a:t>13/11/2015</a:t>
             </a:fld>
             <a:endParaRPr lang="es-MX"/>
           </a:p>
@@ -1766,7 +1766,7 @@
           <a:p>
             <a:fld id="{F4C741E7-0659-46B3-91BB-B8C3B98C4B5D}" type="datetimeFigureOut">
               <a:rPr lang="es-MX" smtClean="0"/>
-              <a:t>08/11/2015</a:t>
+              <a:t>13/11/2015</a:t>
             </a:fld>
             <a:endParaRPr lang="es-MX"/>
           </a:p>
@@ -2092,7 +2092,7 @@
           <a:p>
             <a:fld id="{F4C741E7-0659-46B3-91BB-B8C3B98C4B5D}" type="datetimeFigureOut">
               <a:rPr lang="es-MX" smtClean="0"/>
-              <a:t>08/11/2015</a:t>
+              <a:t>13/11/2015</a:t>
             </a:fld>
             <a:endParaRPr lang="es-MX"/>
           </a:p>
@@ -2558,7 +2558,7 @@
           <a:p>
             <a:fld id="{F4C741E7-0659-46B3-91BB-B8C3B98C4B5D}" type="datetimeFigureOut">
               <a:rPr lang="es-MX" smtClean="0"/>
-              <a:t>08/11/2015</a:t>
+              <a:t>13/11/2015</a:t>
             </a:fld>
             <a:endParaRPr lang="es-MX"/>
           </a:p>
@@ -2708,7 +2708,7 @@
           <a:p>
             <a:fld id="{F4C741E7-0659-46B3-91BB-B8C3B98C4B5D}" type="datetimeFigureOut">
               <a:rPr lang="es-MX" smtClean="0"/>
-              <a:t>08/11/2015</a:t>
+              <a:t>13/11/2015</a:t>
             </a:fld>
             <a:endParaRPr lang="es-MX"/>
           </a:p>
@@ -2827,7 +2827,7 @@
           <a:p>
             <a:fld id="{F4C741E7-0659-46B3-91BB-B8C3B98C4B5D}" type="datetimeFigureOut">
               <a:rPr lang="es-MX" smtClean="0"/>
-              <a:t>08/11/2015</a:t>
+              <a:t>13/11/2015</a:t>
             </a:fld>
             <a:endParaRPr lang="es-MX"/>
           </a:p>
@@ -3137,7 +3137,7 @@
           <a:p>
             <a:fld id="{F4C741E7-0659-46B3-91BB-B8C3B98C4B5D}" type="datetimeFigureOut">
               <a:rPr lang="es-MX" smtClean="0"/>
-              <a:t>08/11/2015</a:t>
+              <a:t>13/11/2015</a:t>
             </a:fld>
             <a:endParaRPr lang="es-MX"/>
           </a:p>
@@ -3423,7 +3423,7 @@
           <a:p>
             <a:fld id="{F4C741E7-0659-46B3-91BB-B8C3B98C4B5D}" type="datetimeFigureOut">
               <a:rPr lang="es-MX" smtClean="0"/>
-              <a:t>08/11/2015</a:t>
+              <a:t>13/11/2015</a:t>
             </a:fld>
             <a:endParaRPr lang="es-MX"/>
           </a:p>
@@ -3557,15 +3557,15 @@
           </a:ln>
           <a:effectLst/>
           <a:extLst>
-            <a:ext uri="{909E8E84-426E-40DD-AFC4-6F175D3DCCD1}">
-              <a14:hiddenFill xmlns:a14="http://schemas.microsoft.com/office/drawing/2010/main">
+            <a:ext uri="{909E8E84-426E-40dd-AFC4-6F175D3DCCD1}">
+              <a14:hiddenFill xmlns:a14="http://schemas.microsoft.com/office/drawing/2010/main" xmlns="">
                 <a:solidFill>
                   <a:schemeClr val="accent1"/>
                 </a:solidFill>
               </a14:hiddenFill>
             </a:ext>
-            <a:ext uri="{91240B29-F687-4F45-9708-019B960494DF}">
-              <a14:hiddenLine xmlns:a14="http://schemas.microsoft.com/office/drawing/2010/main" w="9525">
+            <a:ext uri="{91240B29-F687-4f45-9708-019B960494DF}">
+              <a14:hiddenLine xmlns:a14="http://schemas.microsoft.com/office/drawing/2010/main" xmlns="" w="9525">
                 <a:solidFill>
                   <a:schemeClr val="tx1"/>
                 </a:solidFill>
@@ -3574,8 +3574,8 @@
                 <a:tailEnd/>
               </a14:hiddenLine>
             </a:ext>
-            <a:ext uri="{AF507438-7753-43E0-B8FC-AC1667EBCBE1}">
-              <a14:hiddenEffects xmlns:a14="http://schemas.microsoft.com/office/drawing/2010/main">
+            <a:ext uri="{AF507438-7753-43e0-B8FC-AC1667EBCBE1}">
+              <a14:hiddenEffects xmlns:a14="http://schemas.microsoft.com/office/drawing/2010/main" xmlns="">
                 <a:effectLst>
                   <a:outerShdw dist="35921" dir="2700000" algn="ctr" rotWithShape="0">
                     <a:schemeClr val="bg2"/>
@@ -3610,12 +3610,12 @@
           <a:p>
             <a:pPr algn="r"/>
             <a:r>
-              <a:rPr lang="es-MX" sz="1000" b="0" dirty="0" smtClean="0">
+              <a:rPr lang="es-MX" sz="1000" b="1" dirty="0" smtClean="0">
                 <a:latin typeface="Verdana" panose="020B0604030504040204" pitchFamily="34" charset="0"/>
                 <a:ea typeface="Verdana" panose="020B0604030504040204" pitchFamily="34" charset="0"/>
                 <a:cs typeface="Verdana" panose="020B0604030504040204" pitchFamily="34" charset="0"/>
               </a:rPr>
-              <a:t>Sistema de Seguimiento a Entidades Federativas</a:t>
+              <a:t>SISEF</a:t>
             </a:r>
           </a:p>
           <a:p>
@@ -3626,7 +3626,7 @@
                 <a:ea typeface="Verdana" panose="020B0604030504040204" pitchFamily="34" charset="0"/>
                 <a:cs typeface="Verdana" panose="020B0604030504040204" pitchFamily="34" charset="0"/>
               </a:rPr>
-              <a:t>SISEF – Reporte</a:t>
+              <a:t>Reporte</a:t>
             </a:r>
             <a:r>
               <a:rPr lang="es-MX" sz="1000" b="1" baseline="0" dirty="0" smtClean="0">
@@ -3634,7 +3634,7 @@
                 <a:ea typeface="Verdana" panose="020B0604030504040204" pitchFamily="34" charset="0"/>
                 <a:cs typeface="Verdana" panose="020B0604030504040204" pitchFamily="34" charset="0"/>
               </a:rPr>
-              <a:t> por entidad federativa</a:t>
+              <a:t> por Región</a:t>
             </a:r>
             <a:endParaRPr lang="es-MX" sz="1000" b="1" dirty="0">
               <a:latin typeface="Verdana" panose="020B0604030504040204" pitchFamily="34" charset="0"/>
@@ -3944,14 +3944,14 @@
       </p:grpSpPr>
       <p:graphicFrame>
         <p:nvGraphicFramePr>
-          <p:cNvPr id="25" name="7 Tabla"/>
+          <p:cNvPr id="16" name="7 Tabla"/>
           <p:cNvGraphicFramePr>
             <a:graphicFrameLocks noGrp="1"/>
           </p:cNvGraphicFramePr>
           <p:nvPr>
             <p:extLst>
               <p:ext uri="{D42A27DB-BD31-4B8C-83A1-F6EECF244321}">
-                <p14:modId xmlns:p14="http://schemas.microsoft.com/office/powerpoint/2010/main" val="1861268607"/>
+                <p14:modId xmlns:p14="http://schemas.microsoft.com/office/powerpoint/2010/main" val="2710751773"/>
               </p:ext>
             </p:extLst>
           </p:nvPr>
@@ -4212,14 +4212,14 @@
       </p:graphicFrame>
       <p:graphicFrame>
         <p:nvGraphicFramePr>
-          <p:cNvPr id="26" name="7 Tabla"/>
+          <p:cNvPr id="17" name="7 Tabla"/>
           <p:cNvGraphicFramePr>
             <a:graphicFrameLocks noGrp="1"/>
           </p:cNvGraphicFramePr>
           <p:nvPr>
             <p:extLst>
               <p:ext uri="{D42A27DB-BD31-4B8C-83A1-F6EECF244321}">
-                <p14:modId xmlns:p14="http://schemas.microsoft.com/office/powerpoint/2010/main" val="4287454963"/>
+                <p14:modId xmlns:p14="http://schemas.microsoft.com/office/powerpoint/2010/main" val="3391228220"/>
               </p:ext>
             </p:extLst>
           </p:nvPr>
@@ -4480,14 +4480,14 @@
       </p:graphicFrame>
       <p:graphicFrame>
         <p:nvGraphicFramePr>
-          <p:cNvPr id="33" name="7 Tabla"/>
+          <p:cNvPr id="18" name="7 Tabla"/>
           <p:cNvGraphicFramePr>
             <a:graphicFrameLocks noGrp="1"/>
           </p:cNvGraphicFramePr>
           <p:nvPr>
             <p:extLst>
               <p:ext uri="{D42A27DB-BD31-4B8C-83A1-F6EECF244321}">
-                <p14:modId xmlns:p14="http://schemas.microsoft.com/office/powerpoint/2010/main" val="319285041"/>
+                <p14:modId xmlns:p14="http://schemas.microsoft.com/office/powerpoint/2010/main" val="1032698013"/>
               </p:ext>
             </p:extLst>
           </p:nvPr>
@@ -4740,14 +4740,14 @@
       </p:graphicFrame>
       <p:graphicFrame>
         <p:nvGraphicFramePr>
-          <p:cNvPr id="35" name="7 Tabla"/>
+          <p:cNvPr id="19" name="7 Tabla"/>
           <p:cNvGraphicFramePr>
             <a:graphicFrameLocks noGrp="1"/>
           </p:cNvGraphicFramePr>
           <p:nvPr>
             <p:extLst>
               <p:ext uri="{D42A27DB-BD31-4B8C-83A1-F6EECF244321}">
-                <p14:modId xmlns:p14="http://schemas.microsoft.com/office/powerpoint/2010/main" val="3568175654"/>
+                <p14:modId xmlns:p14="http://schemas.microsoft.com/office/powerpoint/2010/main" val="2079009376"/>
               </p:ext>
             </p:extLst>
           </p:nvPr>
@@ -5000,14 +5000,14 @@
       </p:graphicFrame>
       <p:graphicFrame>
         <p:nvGraphicFramePr>
-          <p:cNvPr id="36" name="7 Tabla"/>
+          <p:cNvPr id="20" name="7 Tabla"/>
           <p:cNvGraphicFramePr>
             <a:graphicFrameLocks noGrp="1"/>
           </p:cNvGraphicFramePr>
           <p:nvPr>
             <p:extLst>
               <p:ext uri="{D42A27DB-BD31-4B8C-83A1-F6EECF244321}">
-                <p14:modId xmlns:p14="http://schemas.microsoft.com/office/powerpoint/2010/main" val="2131855749"/>
+                <p14:modId xmlns:p14="http://schemas.microsoft.com/office/powerpoint/2010/main" val="4010276993"/>
               </p:ext>
             </p:extLst>
           </p:nvPr>
@@ -5260,14 +5260,14 @@
       </p:graphicFrame>
       <p:graphicFrame>
         <p:nvGraphicFramePr>
-          <p:cNvPr id="37" name="5 Tabla"/>
+          <p:cNvPr id="21" name="5 Tabla"/>
           <p:cNvGraphicFramePr>
             <a:graphicFrameLocks noGrp="1"/>
           </p:cNvGraphicFramePr>
           <p:nvPr>
             <p:extLst>
               <p:ext uri="{D42A27DB-BD31-4B8C-83A1-F6EECF244321}">
-                <p14:modId xmlns:p14="http://schemas.microsoft.com/office/powerpoint/2010/main" val="4192981091"/>
+                <p14:modId xmlns:p14="http://schemas.microsoft.com/office/powerpoint/2010/main" val="3447090633"/>
               </p:ext>
             </p:extLst>
           </p:nvPr>
@@ -6099,14 +6099,14 @@
       </p:graphicFrame>
       <p:graphicFrame>
         <p:nvGraphicFramePr>
-          <p:cNvPr id="38" name="7 Tabla"/>
+          <p:cNvPr id="22" name="7 Tabla"/>
           <p:cNvGraphicFramePr>
             <a:graphicFrameLocks noGrp="1"/>
           </p:cNvGraphicFramePr>
           <p:nvPr>
             <p:extLst>
               <p:ext uri="{D42A27DB-BD31-4B8C-83A1-F6EECF244321}">
-                <p14:modId xmlns:p14="http://schemas.microsoft.com/office/powerpoint/2010/main" val="1992053585"/>
+                <p14:modId xmlns:p14="http://schemas.microsoft.com/office/powerpoint/2010/main" val="4198049241"/>
               </p:ext>
             </p:extLst>
           </p:nvPr>
@@ -6269,14 +6269,14 @@
       </p:graphicFrame>
       <p:graphicFrame>
         <p:nvGraphicFramePr>
-          <p:cNvPr id="39" name="101 Tabla"/>
+          <p:cNvPr id="23" name="101 Tabla"/>
           <p:cNvGraphicFramePr>
             <a:graphicFrameLocks noGrp="1"/>
           </p:cNvGraphicFramePr>
           <p:nvPr>
             <p:extLst>
               <p:ext uri="{D42A27DB-BD31-4B8C-83A1-F6EECF244321}">
-                <p14:modId xmlns:p14="http://schemas.microsoft.com/office/powerpoint/2010/main" val="402506432"/>
+                <p14:modId xmlns:p14="http://schemas.microsoft.com/office/powerpoint/2010/main" val="1652669066"/>
               </p:ext>
             </p:extLst>
           </p:nvPr>
@@ -6439,7 +6439,7 @@
       </p:graphicFrame>
       <p:sp>
         <p:nvSpPr>
-          <p:cNvPr id="28" name="27 CuadroTexto"/>
+          <p:cNvPr id="24" name="27 CuadroTexto"/>
           <p:cNvSpPr txBox="1"/>
           <p:nvPr/>
         </p:nvSpPr>
@@ -6477,7 +6477,7 @@
       </p:sp>
       <p:sp>
         <p:nvSpPr>
-          <p:cNvPr id="32" name="31 CuadroTexto"/>
+          <p:cNvPr id="25" name="31 CuadroTexto"/>
           <p:cNvSpPr txBox="1"/>
           <p:nvPr/>
         </p:nvSpPr>
@@ -6510,52 +6510,14 @@
       </p:sp>
       <p:sp>
         <p:nvSpPr>
-          <p:cNvPr id="30" name="29 CuadroTexto"/>
+          <p:cNvPr id="26" name="30 CuadroTexto"/>
           <p:cNvSpPr txBox="1"/>
           <p:nvPr/>
         </p:nvSpPr>
         <p:spPr>
           <a:xfrm>
-            <a:off x="3918148" y="1070504"/>
-            <a:ext cx="1476000" cy="195814"/>
-          </a:xfrm>
-          <a:prstGeom prst="rect">
-            <a:avLst/>
-          </a:prstGeom>
-          <a:noFill/>
-        </p:spPr>
-        <p:txBody>
-          <a:bodyPr wrap="square" lIns="36000" tIns="36000" rIns="36000" bIns="36000" rtlCol="0">
-            <a:spAutoFit/>
-          </a:bodyPr>
-          <a:lstStyle/>
-          <a:p>
-            <a:r>
-              <a:rPr lang="es-MX" sz="800" b="1" dirty="0" smtClean="0">
-                <a:latin typeface="Verdana" panose="020B0604030504040204" pitchFamily="34" charset="0"/>
-                <a:ea typeface="Verdana" panose="020B0604030504040204" pitchFamily="34" charset="0"/>
-                <a:cs typeface="Verdana" panose="020B0604030504040204" pitchFamily="34" charset="0"/>
-              </a:rPr>
-              <a:t>x</a:t>
-            </a:r>
-            <a:endParaRPr lang="es-MX" sz="800" b="1" dirty="0">
-              <a:latin typeface="Verdana" panose="020B0604030504040204" pitchFamily="34" charset="0"/>
-              <a:ea typeface="Verdana" panose="020B0604030504040204" pitchFamily="34" charset="0"/>
-              <a:cs typeface="Verdana" panose="020B0604030504040204" pitchFamily="34" charset="0"/>
-            </a:endParaRPr>
-          </a:p>
-        </p:txBody>
-      </p:sp>
-      <p:sp>
-        <p:nvSpPr>
-          <p:cNvPr id="31" name="30 CuadroTexto"/>
-          <p:cNvSpPr txBox="1"/>
-          <p:nvPr/>
-        </p:nvSpPr>
-        <p:spPr>
-          <a:xfrm>
-            <a:off x="6689153" y="1070504"/>
-            <a:ext cx="1476000" cy="195814"/>
+            <a:off x="7843875" y="1070504"/>
+            <a:ext cx="688565" cy="195814"/>
           </a:xfrm>
           <a:prstGeom prst="rect">
             <a:avLst/>
@@ -6581,14 +6543,14 @@
       </p:sp>
       <p:sp>
         <p:nvSpPr>
-          <p:cNvPr id="34" name="33 CuadroTexto"/>
+          <p:cNvPr id="27" name="33 CuadroTexto"/>
           <p:cNvSpPr txBox="1"/>
           <p:nvPr/>
         </p:nvSpPr>
         <p:spPr>
           <a:xfrm>
-            <a:off x="6494116" y="1317075"/>
-            <a:ext cx="1476000" cy="195814"/>
+            <a:off x="7690448" y="1317075"/>
+            <a:ext cx="625968" cy="195814"/>
           </a:xfrm>
           <a:prstGeom prst="rect">
             <a:avLst/>
@@ -6614,7 +6576,7 @@
       </p:sp>
       <p:sp>
         <p:nvSpPr>
-          <p:cNvPr id="2" name="1 Rectángulo"/>
+          <p:cNvPr id="28" name="1 Rectángulo"/>
           <p:cNvSpPr/>
           <p:nvPr/>
         </p:nvSpPr>
@@ -6662,7 +6624,7 @@
       </p:sp>
       <p:sp>
         <p:nvSpPr>
-          <p:cNvPr id="3" name="2 Rectángulo"/>
+          <p:cNvPr id="29" name="2 Rectángulo"/>
           <p:cNvSpPr/>
           <p:nvPr/>
         </p:nvSpPr>
@@ -6710,7 +6672,7 @@
       </p:sp>
       <p:sp>
         <p:nvSpPr>
-          <p:cNvPr id="27" name="26 CuadroTexto"/>
+          <p:cNvPr id="30" name="26 CuadroTexto"/>
           <p:cNvSpPr txBox="1"/>
           <p:nvPr/>
         </p:nvSpPr>
@@ -6749,14 +6711,14 @@
       </p:sp>
       <p:graphicFrame>
         <p:nvGraphicFramePr>
-          <p:cNvPr id="5" name="4 Tabla"/>
+          <p:cNvPr id="31" name="4 Tabla"/>
           <p:cNvGraphicFramePr>
             <a:graphicFrameLocks noGrp="1"/>
           </p:cNvGraphicFramePr>
           <p:nvPr>
             <p:extLst>
               <p:ext uri="{D42A27DB-BD31-4B8C-83A1-F6EECF244321}">
-                <p14:modId xmlns:p14="http://schemas.microsoft.com/office/powerpoint/2010/main" val="3449311414"/>
+                <p14:modId xmlns:p14="http://schemas.microsoft.com/office/powerpoint/2010/main" val="1081215025"/>
               </p:ext>
             </p:extLst>
           </p:nvPr>
@@ -6772,9 +6734,9 @@
                 <a:tableStyleId>{5C22544A-7EE6-4342-B048-85BDC9FD1C3A}</a:tableStyleId>
               </a:tblPr>
               <a:tblGrid>
-                <a:gridCol w="2847457"/>
-                <a:gridCol w="2847457"/>
-                <a:gridCol w="2847457"/>
+                <a:gridCol w="1656184"/>
+                <a:gridCol w="5256584"/>
+                <a:gridCol w="1629603"/>
               </a:tblGrid>
               <a:tr h="259699">
                 <a:tc>
@@ -6966,7 +6928,45 @@
       </p:graphicFrame>
       <p:sp>
         <p:nvSpPr>
-          <p:cNvPr id="29" name="28 CuadroTexto"/>
+          <p:cNvPr id="32" name="29 CuadroTexto"/>
+          <p:cNvSpPr txBox="1"/>
+          <p:nvPr/>
+        </p:nvSpPr>
+        <p:spPr>
+          <a:xfrm>
+            <a:off x="2411760" y="1070502"/>
+            <a:ext cx="4464496" cy="195814"/>
+          </a:xfrm>
+          <a:prstGeom prst="rect">
+            <a:avLst/>
+          </a:prstGeom>
+          <a:noFill/>
+        </p:spPr>
+        <p:txBody>
+          <a:bodyPr wrap="square" lIns="36000" tIns="36000" rIns="36000" bIns="36000" rtlCol="0">
+            <a:spAutoFit/>
+          </a:bodyPr>
+          <a:lstStyle/>
+          <a:p>
+            <a:r>
+              <a:rPr lang="es-MX" sz="800" b="1" dirty="0" smtClean="0">
+                <a:latin typeface="Verdana" panose="020B0604030504040204" pitchFamily="34" charset="0"/>
+                <a:ea typeface="Verdana" panose="020B0604030504040204" pitchFamily="34" charset="0"/>
+                <a:cs typeface="Verdana" panose="020B0604030504040204" pitchFamily="34" charset="0"/>
+              </a:rPr>
+              <a:t>x</a:t>
+            </a:r>
+            <a:endParaRPr lang="es-MX" sz="800" b="1" dirty="0">
+              <a:latin typeface="Verdana" panose="020B0604030504040204" pitchFamily="34" charset="0"/>
+              <a:ea typeface="Verdana" panose="020B0604030504040204" pitchFamily="34" charset="0"/>
+              <a:cs typeface="Verdana" panose="020B0604030504040204" pitchFamily="34" charset="0"/>
+            </a:endParaRPr>
+          </a:p>
+        </p:txBody>
+      </p:sp>
+      <p:sp>
+        <p:nvSpPr>
+          <p:cNvPr id="33" name="28 CuadroTexto"/>
           <p:cNvSpPr txBox="1"/>
           <p:nvPr/>
         </p:nvSpPr>
@@ -7005,7 +7005,7 @@
       </p:sp>
       <p:sp>
         <p:nvSpPr>
-          <p:cNvPr id="40" name="92 Rectángulo"/>
+          <p:cNvPr id="34" name="92 Rectángulo"/>
           <p:cNvSpPr/>
           <p:nvPr/>
         </p:nvSpPr>
@@ -7053,7 +7053,7 @@
       </p:sp>
       <p:sp>
         <p:nvSpPr>
-          <p:cNvPr id="41" name="93 CuadroTexto"/>
+          <p:cNvPr id="35" name="93 CuadroTexto"/>
           <p:cNvSpPr txBox="1"/>
           <p:nvPr/>
         </p:nvSpPr>
@@ -7092,7 +7092,7 @@
       </p:sp>
       <p:sp>
         <p:nvSpPr>
-          <p:cNvPr id="42" name="100 CuadroTexto"/>
+          <p:cNvPr id="36" name="100 CuadroTexto"/>
           <p:cNvSpPr txBox="1"/>
           <p:nvPr/>
         </p:nvSpPr>
@@ -7131,7 +7131,7 @@
       </p:sp>
       <p:sp>
         <p:nvSpPr>
-          <p:cNvPr id="43" name="92 Rectángulo"/>
+          <p:cNvPr id="37" name="92 Rectángulo"/>
           <p:cNvSpPr/>
           <p:nvPr/>
         </p:nvSpPr>
@@ -7179,7 +7179,7 @@
       </p:sp>
       <p:sp>
         <p:nvSpPr>
-          <p:cNvPr id="44" name="93 CuadroTexto"/>
+          <p:cNvPr id="38" name="93 CuadroTexto"/>
           <p:cNvSpPr txBox="1"/>
           <p:nvPr/>
         </p:nvSpPr>
@@ -7218,7 +7218,7 @@
       </p:sp>
       <p:sp>
         <p:nvSpPr>
-          <p:cNvPr id="45" name="93 CuadroTexto"/>
+          <p:cNvPr id="39" name="93 CuadroTexto"/>
           <p:cNvSpPr txBox="1"/>
           <p:nvPr/>
         </p:nvSpPr>
@@ -7257,7 +7257,7 @@
       </p:sp>
       <p:sp>
         <p:nvSpPr>
-          <p:cNvPr id="46" name="93 CuadroTexto"/>
+          <p:cNvPr id="40" name="93 CuadroTexto"/>
           <p:cNvSpPr txBox="1"/>
           <p:nvPr/>
         </p:nvSpPr>
